--- a/W6/2. W6S2 final/W6S2.pptx
+++ b/W6/2. W6S2 final/W6S2.pptx
@@ -2432,7 +2432,7 @@
   <pc:docChgLst>
     <pc:chgData name="Matthieu De Mari" userId="dfb708c9-d8dc-439f-9a3b-c772bf4a311c" providerId="ADAL" clId="{AFBB5070-511B-4CA0-9A42-F23C012C9EC3}"/>
     <pc:docChg chg="undo custSel addSld delSld modSld modSection">
-      <pc:chgData name="Matthieu De Mari" userId="dfb708c9-d8dc-439f-9a3b-c772bf4a311c" providerId="ADAL" clId="{AFBB5070-511B-4CA0-9A42-F23C012C9EC3}" dt="2024-02-09T01:08:29.825" v="513" actId="14100"/>
+      <pc:chgData name="Matthieu De Mari" userId="dfb708c9-d8dc-439f-9a3b-c772bf4a311c" providerId="ADAL" clId="{AFBB5070-511B-4CA0-9A42-F23C012C9EC3}" dt="2024-02-27T02:40:05.950" v="682" actId="20577"/>
       <pc:docMkLst>
         <pc:docMk/>
       </pc:docMkLst>
@@ -2542,7 +2542,7 @@
         </pc:picChg>
       </pc:sldChg>
       <pc:sldChg chg="addSp delSp modSp mod modClrScheme chgLayout">
-        <pc:chgData name="Matthieu De Mari" userId="dfb708c9-d8dc-439f-9a3b-c772bf4a311c" providerId="ADAL" clId="{AFBB5070-511B-4CA0-9A42-F23C012C9EC3}" dt="2024-02-09T01:00:36.977" v="329" actId="20577"/>
+        <pc:chgData name="Matthieu De Mari" userId="dfb708c9-d8dc-439f-9a3b-c772bf4a311c" providerId="ADAL" clId="{AFBB5070-511B-4CA0-9A42-F23C012C9EC3}" dt="2024-02-27T02:39:21.271" v="565" actId="207"/>
         <pc:sldMkLst>
           <pc:docMk/>
           <pc:sldMk cId="2697134679" sldId="616"/>
@@ -2556,7 +2556,7 @@
           </ac:spMkLst>
         </pc:spChg>
         <pc:spChg chg="mod ord">
-          <ac:chgData name="Matthieu De Mari" userId="dfb708c9-d8dc-439f-9a3b-c772bf4a311c" providerId="ADAL" clId="{AFBB5070-511B-4CA0-9A42-F23C012C9EC3}" dt="2024-02-09T01:00:36.977" v="329" actId="20577"/>
+          <ac:chgData name="Matthieu De Mari" userId="dfb708c9-d8dc-439f-9a3b-c772bf4a311c" providerId="ADAL" clId="{AFBB5070-511B-4CA0-9A42-F23C012C9EC3}" dt="2024-02-27T02:39:21.271" v="565" actId="207"/>
           <ac:spMkLst>
             <pc:docMk/>
             <pc:sldMk cId="2697134679" sldId="616"/>
@@ -2596,7 +2596,7 @@
         </pc:spChg>
       </pc:sldChg>
       <pc:sldChg chg="addSp delSp modSp mod modClrScheme chgLayout">
-        <pc:chgData name="Matthieu De Mari" userId="dfb708c9-d8dc-439f-9a3b-c772bf4a311c" providerId="ADAL" clId="{AFBB5070-511B-4CA0-9A42-F23C012C9EC3}" dt="2024-02-09T01:01:02.141" v="336" actId="27636"/>
+        <pc:chgData name="Matthieu De Mari" userId="dfb708c9-d8dc-439f-9a3b-c772bf4a311c" providerId="ADAL" clId="{AFBB5070-511B-4CA0-9A42-F23C012C9EC3}" dt="2024-02-27T02:40:05.950" v="682" actId="20577"/>
         <pc:sldMkLst>
           <pc:docMk/>
           <pc:sldMk cId="2052607657" sldId="619"/>
@@ -2610,7 +2610,7 @@
           </ac:spMkLst>
         </pc:spChg>
         <pc:spChg chg="mod ord">
-          <ac:chgData name="Matthieu De Mari" userId="dfb708c9-d8dc-439f-9a3b-c772bf4a311c" providerId="ADAL" clId="{AFBB5070-511B-4CA0-9A42-F23C012C9EC3}" dt="2024-02-09T01:01:02.141" v="336" actId="27636"/>
+          <ac:chgData name="Matthieu De Mari" userId="dfb708c9-d8dc-439f-9a3b-c772bf4a311c" providerId="ADAL" clId="{AFBB5070-511B-4CA0-9A42-F23C012C9EC3}" dt="2024-02-27T02:40:05.950" v="682" actId="20577"/>
           <ac:spMkLst>
             <pc:docMk/>
             <pc:sldMk cId="2052607657" sldId="619"/>
@@ -3067,7 +3067,7 @@
         </pc:spChg>
       </pc:sldChg>
       <pc:sldChg chg="delSp modSp add mod modClrScheme chgLayout">
-        <pc:chgData name="Matthieu De Mari" userId="dfb708c9-d8dc-439f-9a3b-c772bf4a311c" providerId="ADAL" clId="{AFBB5070-511B-4CA0-9A42-F23C012C9EC3}" dt="2024-02-09T01:00:48.354" v="332" actId="14100"/>
+        <pc:chgData name="Matthieu De Mari" userId="dfb708c9-d8dc-439f-9a3b-c772bf4a311c" providerId="ADAL" clId="{AFBB5070-511B-4CA0-9A42-F23C012C9EC3}" dt="2024-02-27T02:38:56.906" v="515" actId="20577"/>
         <pc:sldMkLst>
           <pc:docMk/>
           <pc:sldMk cId="328652294" sldId="666"/>
@@ -3081,7 +3081,7 @@
           </ac:spMkLst>
         </pc:spChg>
         <pc:spChg chg="mod ord">
-          <ac:chgData name="Matthieu De Mari" userId="dfb708c9-d8dc-439f-9a3b-c772bf4a311c" providerId="ADAL" clId="{AFBB5070-511B-4CA0-9A42-F23C012C9EC3}" dt="2024-02-09T01:00:48.354" v="332" actId="14100"/>
+          <ac:chgData name="Matthieu De Mari" userId="dfb708c9-d8dc-439f-9a3b-c772bf4a311c" providerId="ADAL" clId="{AFBB5070-511B-4CA0-9A42-F23C012C9EC3}" dt="2024-02-27T02:38:56.906" v="515" actId="20577"/>
           <ac:spMkLst>
             <pc:docMk/>
             <pc:sldMk cId="328652294" sldId="666"/>
@@ -8539,7 +8539,7 @@
           <a:p>
             <a:fld id="{61478373-EB31-4867-8CF0-FA31364748A5}" type="datetimeFigureOut">
               <a:rPr lang="en-GB" smtClean="0"/>
-              <a:t>09/02/2024</a:t>
+              <a:t>27/02/2024</a:t>
             </a:fld>
             <a:endParaRPr lang="en-GB"/>
           </a:p>
@@ -8956,7 +8956,7 @@
           <a:p>
             <a:fld id="{E85DF616-B21E-4EF6-A6A5-95E2FB3EB1A1}" type="datetimeFigureOut">
               <a:rPr lang="en-GB" smtClean="0"/>
-              <a:t>09/02/2024</a:t>
+              <a:t>27/02/2024</a:t>
             </a:fld>
             <a:endParaRPr lang="en-GB"/>
           </a:p>
@@ -9156,7 +9156,7 @@
           <a:p>
             <a:fld id="{E85DF616-B21E-4EF6-A6A5-95E2FB3EB1A1}" type="datetimeFigureOut">
               <a:rPr lang="en-GB" smtClean="0"/>
-              <a:t>09/02/2024</a:t>
+              <a:t>27/02/2024</a:t>
             </a:fld>
             <a:endParaRPr lang="en-GB"/>
           </a:p>
@@ -9366,7 +9366,7 @@
           <a:p>
             <a:fld id="{E85DF616-B21E-4EF6-A6A5-95E2FB3EB1A1}" type="datetimeFigureOut">
               <a:rPr lang="en-GB" smtClean="0"/>
-              <a:t>09/02/2024</a:t>
+              <a:t>27/02/2024</a:t>
             </a:fld>
             <a:endParaRPr lang="en-GB"/>
           </a:p>
@@ -9566,7 +9566,7 @@
           <a:p>
             <a:fld id="{E85DF616-B21E-4EF6-A6A5-95E2FB3EB1A1}" type="datetimeFigureOut">
               <a:rPr lang="en-GB" smtClean="0"/>
-              <a:t>09/02/2024</a:t>
+              <a:t>27/02/2024</a:t>
             </a:fld>
             <a:endParaRPr lang="en-GB"/>
           </a:p>
@@ -9842,7 +9842,7 @@
           <a:p>
             <a:fld id="{E85DF616-B21E-4EF6-A6A5-95E2FB3EB1A1}" type="datetimeFigureOut">
               <a:rPr lang="en-GB" smtClean="0"/>
-              <a:t>09/02/2024</a:t>
+              <a:t>27/02/2024</a:t>
             </a:fld>
             <a:endParaRPr lang="en-GB"/>
           </a:p>
@@ -10110,7 +10110,7 @@
           <a:p>
             <a:fld id="{E85DF616-B21E-4EF6-A6A5-95E2FB3EB1A1}" type="datetimeFigureOut">
               <a:rPr lang="en-GB" smtClean="0"/>
-              <a:t>09/02/2024</a:t>
+              <a:t>27/02/2024</a:t>
             </a:fld>
             <a:endParaRPr lang="en-GB"/>
           </a:p>
@@ -10525,7 +10525,7 @@
           <a:p>
             <a:fld id="{E85DF616-B21E-4EF6-A6A5-95E2FB3EB1A1}" type="datetimeFigureOut">
               <a:rPr lang="en-GB" smtClean="0"/>
-              <a:t>09/02/2024</a:t>
+              <a:t>27/02/2024</a:t>
             </a:fld>
             <a:endParaRPr lang="en-GB"/>
           </a:p>
@@ -10667,7 +10667,7 @@
           <a:p>
             <a:fld id="{E85DF616-B21E-4EF6-A6A5-95E2FB3EB1A1}" type="datetimeFigureOut">
               <a:rPr lang="en-GB" smtClean="0"/>
-              <a:t>09/02/2024</a:t>
+              <a:t>27/02/2024</a:t>
             </a:fld>
             <a:endParaRPr lang="en-GB"/>
           </a:p>
@@ -10780,7 +10780,7 @@
           <a:p>
             <a:fld id="{E85DF616-B21E-4EF6-A6A5-95E2FB3EB1A1}" type="datetimeFigureOut">
               <a:rPr lang="en-GB" smtClean="0"/>
-              <a:t>09/02/2024</a:t>
+              <a:t>27/02/2024</a:t>
             </a:fld>
             <a:endParaRPr lang="en-GB"/>
           </a:p>
@@ -11093,7 +11093,7 @@
           <a:p>
             <a:fld id="{E85DF616-B21E-4EF6-A6A5-95E2FB3EB1A1}" type="datetimeFigureOut">
               <a:rPr lang="en-GB" smtClean="0"/>
-              <a:t>09/02/2024</a:t>
+              <a:t>27/02/2024</a:t>
             </a:fld>
             <a:endParaRPr lang="en-GB"/>
           </a:p>
@@ -11382,7 +11382,7 @@
           <a:p>
             <a:fld id="{E85DF616-B21E-4EF6-A6A5-95E2FB3EB1A1}" type="datetimeFigureOut">
               <a:rPr lang="en-GB" smtClean="0"/>
-              <a:t>09/02/2024</a:t>
+              <a:t>27/02/2024</a:t>
             </a:fld>
             <a:endParaRPr lang="en-GB"/>
           </a:p>
@@ -11625,7 +11625,7 @@
           <a:p>
             <a:fld id="{E85DF616-B21E-4EF6-A6A5-95E2FB3EB1A1}" type="datetimeFigureOut">
               <a:rPr lang="en-GB" smtClean="0"/>
-              <a:t>09/02/2024</a:t>
+              <a:t>27/02/2024</a:t>
             </a:fld>
             <a:endParaRPr lang="en-GB"/>
           </a:p>
@@ -12785,8 +12785,8 @@
           </a:p>
         </p:txBody>
       </p:sp>
-      <mc:AlternateContent xmlns:mc="http://schemas.openxmlformats.org/markup-compatibility/2006">
-        <mc:Choice xmlns:a14="http://schemas.microsoft.com/office/drawing/2010/main" Requires="a14">
+      <mc:AlternateContent xmlns:mc="http://schemas.openxmlformats.org/markup-compatibility/2006" xmlns:a14="http://schemas.microsoft.com/office/drawing/2010/main">
+        <mc:Choice Requires="a14">
           <p:sp>
             <p:nvSpPr>
               <p:cNvPr id="3" name="Content Placeholder 2">
@@ -12984,7 +12984,7 @@
             </p:txBody>
           </p:sp>
         </mc:Choice>
-        <mc:Fallback>
+        <mc:Fallback xmlns="">
           <p:sp>
             <p:nvSpPr>
               <p:cNvPr id="3" name="Content Placeholder 2">
@@ -13123,8 +13123,8 @@
           </a:p>
         </p:txBody>
       </p:sp>
-      <mc:AlternateContent xmlns:mc="http://schemas.openxmlformats.org/markup-compatibility/2006">
-        <mc:Choice xmlns:a14="http://schemas.microsoft.com/office/drawing/2010/main" Requires="a14">
+      <mc:AlternateContent xmlns:mc="http://schemas.openxmlformats.org/markup-compatibility/2006" xmlns:a14="http://schemas.microsoft.com/office/drawing/2010/main">
+        <mc:Choice Requires="a14">
           <p:sp>
             <p:nvSpPr>
               <p:cNvPr id="3" name="Content Placeholder 2">
@@ -13266,7 +13266,7 @@
             </p:txBody>
           </p:sp>
         </mc:Choice>
-        <mc:Fallback>
+        <mc:Fallback xmlns="">
           <p:sp>
             <p:nvSpPr>
               <p:cNvPr id="3" name="Content Placeholder 2">
@@ -15997,8 +15997,8 @@
           </a:p>
         </p:txBody>
       </p:sp>
-      <mc:AlternateContent xmlns:mc="http://schemas.openxmlformats.org/markup-compatibility/2006">
-        <mc:Choice xmlns:a14="http://schemas.microsoft.com/office/drawing/2010/main" Requires="a14">
+      <mc:AlternateContent xmlns:mc="http://schemas.openxmlformats.org/markup-compatibility/2006" xmlns:a14="http://schemas.microsoft.com/office/drawing/2010/main">
+        <mc:Choice Requires="a14">
           <p:sp>
             <p:nvSpPr>
               <p:cNvPr id="3" name="Content Placeholder 2">
@@ -16690,7 +16690,7 @@
             </p:txBody>
           </p:sp>
         </mc:Choice>
-        <mc:Fallback>
+        <mc:Fallback xmlns="">
           <p:sp>
             <p:nvSpPr>
               <p:cNvPr id="3" name="Content Placeholder 2">
@@ -16793,8 +16793,8 @@
           </a:p>
         </p:txBody>
       </p:sp>
-      <mc:AlternateContent xmlns:mc="http://schemas.openxmlformats.org/markup-compatibility/2006">
-        <mc:Choice xmlns:a14="http://schemas.microsoft.com/office/drawing/2010/main" Requires="a14">
+      <mc:AlternateContent xmlns:mc="http://schemas.openxmlformats.org/markup-compatibility/2006" xmlns:a14="http://schemas.microsoft.com/office/drawing/2010/main">
+        <mc:Choice Requires="a14">
           <p:sp>
             <p:nvSpPr>
               <p:cNvPr id="3" name="Content Placeholder 2">
@@ -17194,7 +17194,7 @@
             </p:txBody>
           </p:sp>
         </mc:Choice>
-        <mc:Fallback>
+        <mc:Fallback xmlns="">
           <p:sp>
             <p:nvSpPr>
               <p:cNvPr id="3" name="Content Placeholder 2">
@@ -17297,8 +17297,8 @@
           </a:p>
         </p:txBody>
       </p:sp>
-      <mc:AlternateContent xmlns:mc="http://schemas.openxmlformats.org/markup-compatibility/2006">
-        <mc:Choice xmlns:a14="http://schemas.microsoft.com/office/drawing/2010/main" Requires="a14">
+      <mc:AlternateContent xmlns:mc="http://schemas.openxmlformats.org/markup-compatibility/2006" xmlns:a14="http://schemas.microsoft.com/office/drawing/2010/main">
+        <mc:Choice Requires="a14">
           <p:sp>
             <p:nvSpPr>
               <p:cNvPr id="3" name="Content Placeholder 2">
@@ -17458,7 +17458,7 @@
             </p:txBody>
           </p:sp>
         </mc:Choice>
-        <mc:Fallback>
+        <mc:Fallback xmlns="">
           <p:sp>
             <p:nvSpPr>
               <p:cNvPr id="3" name="Content Placeholder 2">
@@ -17563,8 +17563,8 @@
           </a:p>
         </p:txBody>
       </p:sp>
-      <mc:AlternateContent xmlns:mc="http://schemas.openxmlformats.org/markup-compatibility/2006">
-        <mc:Choice xmlns:a14="http://schemas.microsoft.com/office/drawing/2010/main" Requires="a14">
+      <mc:AlternateContent xmlns:mc="http://schemas.openxmlformats.org/markup-compatibility/2006" xmlns:a14="http://schemas.microsoft.com/office/drawing/2010/main">
+        <mc:Choice Requires="a14">
           <p:sp>
             <p:nvSpPr>
               <p:cNvPr id="3" name="Content Placeholder 2">
@@ -17750,7 +17750,7 @@
             </p:txBody>
           </p:sp>
         </mc:Choice>
-        <mc:Fallback>
+        <mc:Fallback xmlns="">
           <p:sp>
             <p:nvSpPr>
               <p:cNvPr id="3" name="Content Placeholder 2">
@@ -21265,7 +21265,7 @@
           <a:p>
             <a:r>
               <a:rPr lang="en-GB" dirty="0"/>
-              <a:t>Works and ready to be trained as in NB3!</a:t>
+              <a:t>Works and ready to be trained as in NB5!</a:t>
             </a:r>
             <a:endParaRPr lang="en-SG" dirty="0"/>
           </a:p>
@@ -23262,6 +23262,12 @@
                         </m:sub>
                       </m:sSub>
                       <m:r>
+                        <a:rPr lang="en-GB" b="0" i="1" dirty="0" smtClean="0">
+                          <a:latin typeface="Cambria Math" panose="02040503050406030204" pitchFamily="18" charset="0"/>
+                        </a:rPr>
+                        <m:t>)</m:t>
+                      </m:r>
+                      <m:r>
                         <a:rPr lang="en-SG" i="1" dirty="0">
                           <a:latin typeface="Cambria Math" panose="02040503050406030204" pitchFamily="18" charset="0"/>
                         </a:rPr>
@@ -23488,7 +23494,7 @@
               <a:lstStyle/>
               <a:p>
                 <a:r>
-                  <a:rPr lang="en-SG">
+                  <a:rPr lang="en-GB">
                     <a:noFill/>
                   </a:rPr>
                   <a:t> </a:t>
@@ -27391,7 +27397,11 @@
           <a:p>
             <a:r>
               <a:rPr lang="en-GB" dirty="0"/>
-              <a:t>Works and ready to be trained as in NB3!</a:t>
+              <a:t>Works and ready to be trained as </a:t>
+            </a:r>
+            <a:r>
+              <a:rPr lang="en-GB"/>
+              <a:t>in NB4!</a:t>
             </a:r>
             <a:endParaRPr lang="en-SG" dirty="0"/>
           </a:p>
@@ -27514,7 +27524,20 @@
             </a:pPr>
             <a:r>
               <a:rPr lang="en-GB" dirty="0"/>
-              <a:t>Both LSTM and GRU networks are effective at capturing long-term dependencies in time series data.</a:t>
+              <a:t>Both LSTM and GRU networks are effective at capturing long-term and short-term dependencies in time series data.</a:t>
+            </a:r>
+          </a:p>
+          <a:p>
+            <a:pPr marL="0" indent="0">
+              <a:buNone/>
+            </a:pPr>
+            <a:r>
+              <a:rPr lang="en-GB" b="1" dirty="0">
+                <a:solidFill>
+                  <a:srgbClr val="FF0000"/>
+                </a:solidFill>
+              </a:rPr>
+              <a:t>So, which one should we use?</a:t>
             </a:r>
           </a:p>
           <a:p>
@@ -27529,7 +27552,7 @@
             </a:pPr>
             <a:r>
               <a:rPr lang="en-GB" b="1" dirty="0"/>
-              <a:t>There are however some benefits to using LSTMs over GRUs:</a:t>
+              <a:t>There are some benefits to using LSTMs over GRUs:</a:t>
             </a:r>
           </a:p>
           <a:p>
@@ -27641,7 +27664,7 @@
             </a:pPr>
             <a:r>
               <a:rPr lang="en-GB" b="1" dirty="0"/>
-              <a:t>There are however some benefits to using LSTMs over GRUs:</a:t>
+              <a:t>There are some benefits to using LSTMs over GRUs:</a:t>
             </a:r>
           </a:p>
           <a:p>
@@ -27774,8 +27797,13 @@
           <a:p>
             <a:r>
               <a:rPr lang="en-GB" dirty="0"/>
-              <a:t>GRUs can be more effective than LSTMs in handling sequences that have a lot of noise or missing data, as they are better able to adapt to changes in the input.</a:t>
-            </a:r>
+              <a:t>GRUs can be more effective than LSTMs in handling sequences that have a lot of noise or missing data, as they are better able to adapt to changes in the input. They are in fact less prone to overfitting, given that they have </a:t>
+            </a:r>
+            <a:r>
+              <a:rPr lang="en-GB"/>
+              <a:t>an architecture with lower complexity</a:t>
+            </a:r>
+            <a:endParaRPr lang="en-GB" dirty="0"/>
           </a:p>
         </p:txBody>
       </p:sp>
@@ -30702,8 +30730,8 @@
           </a:p>
         </p:txBody>
       </p:sp>
-      <mc:AlternateContent xmlns:mc="http://schemas.openxmlformats.org/markup-compatibility/2006">
-        <mc:Choice xmlns:a14="http://schemas.microsoft.com/office/drawing/2010/main" Requires="a14">
+      <mc:AlternateContent xmlns:mc="http://schemas.openxmlformats.org/markup-compatibility/2006" xmlns:a14="http://schemas.microsoft.com/office/drawing/2010/main">
+        <mc:Choice Requires="a14">
           <p:sp>
             <p:nvSpPr>
               <p:cNvPr id="4" name="Content Placeholder 3">
@@ -30774,7 +30802,7 @@
             </p:txBody>
           </p:sp>
         </mc:Choice>
-        <mc:Fallback>
+        <mc:Fallback xmlns="">
           <p:sp>
             <p:nvSpPr>
               <p:cNvPr id="4" name="Content Placeholder 3">
